--- a/Стас спасибо за детство.pptx
+++ b/Стас спасибо за детство.pptx
@@ -107,6 +107,11 @@
       </a:defRPr>
     </a:lvl9pPr>
   </p:defaultTextStyle>
+  <p:extLst>
+    <p:ext uri="{EFAFB233-063F-42B5-8137-9DF3F51BA10A}">
+      <p15:sldGuideLst xmlns:p15="http://schemas.microsoft.com/office/powerpoint/2012/main"/>
+    </p:ext>
+  </p:extLst>
 </p:presentation>
 </file>
 
@@ -7741,6 +7746,18 @@
   <p:clrMapOvr>
     <a:masterClrMapping/>
   </p:clrMapOvr>
+  <mc:AlternateContent xmlns:mc="http://schemas.openxmlformats.org/markup-compatibility/2006">
+    <mc:Choice xmlns:p15="http://schemas.microsoft.com/office/powerpoint/2012/main" Requires="p15">
+      <p:transition xmlns:p14="http://schemas.microsoft.com/office/powerpoint/2010/main" spd="slow" p14:dur="2000">
+        <p15:prstTrans prst="fallOver"/>
+      </p:transition>
+    </mc:Choice>
+    <mc:Fallback>
+      <p:transition spd="slow">
+        <p:fade/>
+      </p:transition>
+    </mc:Fallback>
+  </mc:AlternateContent>
 </p:sld>
 </file>
 
@@ -7887,6 +7904,18 @@
   <p:clrMapOvr>
     <a:masterClrMapping/>
   </p:clrMapOvr>
+  <mc:AlternateContent xmlns:mc="http://schemas.openxmlformats.org/markup-compatibility/2006">
+    <mc:Choice xmlns:p15="http://schemas.microsoft.com/office/powerpoint/2012/main" Requires="p15">
+      <p:transition xmlns:p14="http://schemas.microsoft.com/office/powerpoint/2010/main" spd="slow" p14:dur="6000">
+        <p15:prstTrans prst="curtains"/>
+      </p:transition>
+    </mc:Choice>
+    <mc:Fallback>
+      <p:transition spd="slow">
+        <p:fade/>
+      </p:transition>
+    </mc:Fallback>
+  </mc:AlternateContent>
 </p:sld>
 </file>
 
@@ -8002,6 +8031,18 @@
   <p:clrMapOvr>
     <a:masterClrMapping/>
   </p:clrMapOvr>
+  <mc:AlternateContent xmlns:mc="http://schemas.openxmlformats.org/markup-compatibility/2006">
+    <mc:Choice xmlns:p15="http://schemas.microsoft.com/office/powerpoint/2012/main" Requires="p15">
+      <p:transition xmlns:p14="http://schemas.microsoft.com/office/powerpoint/2010/main" spd="slow" p14:dur="1250">
+        <p15:prstTrans prst="airplane"/>
+      </p:transition>
+    </mc:Choice>
+    <mc:Fallback>
+      <p:transition spd="slow">
+        <p:fade/>
+      </p:transition>
+    </mc:Fallback>
+  </mc:AlternateContent>
 </p:sld>
 </file>
 
@@ -8114,6 +8155,18 @@
   <p:clrMapOvr>
     <a:masterClrMapping/>
   </p:clrMapOvr>
+  <mc:AlternateContent xmlns:mc="http://schemas.openxmlformats.org/markup-compatibility/2006">
+    <mc:Choice xmlns:p14="http://schemas.microsoft.com/office/powerpoint/2010/main" Requires="p14">
+      <p:transition spd="slow" p14:dur="1600">
+        <p14:conveyor dir="l"/>
+      </p:transition>
+    </mc:Choice>
+    <mc:Fallback>
+      <p:transition spd="slow">
+        <p:fade/>
+      </p:transition>
+    </mc:Fallback>
+  </mc:AlternateContent>
 </p:sld>
 </file>
 

--- a/Стас спасибо за детство.pptx
+++ b/Стас спасибо за детство.pptx
@@ -9,6 +9,7 @@
     <p:sldId id="257" r:id="rId3"/>
     <p:sldId id="258" r:id="rId4"/>
     <p:sldId id="259" r:id="rId5"/>
+    <p:sldId id="260" r:id="rId6"/>
   </p:sldIdLst>
   <p:sldSz cx="12192000" cy="6858000"/>
   <p:notesSz cx="6858000" cy="9144000"/>
@@ -389,7 +390,7 @@
           <a:p>
             <a:fld id="{78ABE3C1-DBE1-495D-B57B-2849774B866A}" type="datetimeFigureOut">
               <a:rPr lang="en-US" dirty="0"/>
-              <a:t>4/26/2023</a:t>
+              <a:t>4/27/2023</a:t>
             </a:fld>
             <a:endParaRPr lang="en-US" dirty="0"/>
           </a:p>
@@ -798,7 +799,7 @@
           <a:p>
             <a:fld id="{446C117F-5CCF-4837-BE5F-2B92066CAFAF}" type="datetimeFigureOut">
               <a:rPr lang="en-US" dirty="0"/>
-              <a:t>4/26/2023</a:t>
+              <a:t>4/27/2023</a:t>
             </a:fld>
             <a:endParaRPr lang="en-US" dirty="0"/>
           </a:p>
@@ -1129,7 +1130,7 @@
           <a:p>
             <a:fld id="{84EB90BD-B6CE-46B7-997F-7313B992CCDC}" type="datetimeFigureOut">
               <a:rPr lang="en-US" dirty="0"/>
-              <a:t>4/26/2023</a:t>
+              <a:t>4/27/2023</a:t>
             </a:fld>
             <a:endParaRPr lang="en-US" dirty="0"/>
           </a:p>
@@ -1529,7 +1530,7 @@
           <a:p>
             <a:fld id="{CDB9D11F-B188-461D-B23F-39381795C052}" type="datetimeFigureOut">
               <a:rPr lang="en-US" dirty="0"/>
-              <a:t>4/26/2023</a:t>
+              <a:t>4/27/2023</a:t>
             </a:fld>
             <a:endParaRPr lang="en-US" dirty="0"/>
           </a:p>
@@ -2092,7 +2093,7 @@
           <a:p>
             <a:fld id="{52E6D8D9-55A2-4063-B0F3-121F44549695}" type="datetimeFigureOut">
               <a:rPr lang="en-US" dirty="0"/>
-              <a:t>4/26/2023</a:t>
+              <a:t>4/27/2023</a:t>
             </a:fld>
             <a:endParaRPr lang="en-US" dirty="0"/>
           </a:p>
@@ -2768,7 +2769,7 @@
           <a:p>
             <a:fld id="{D4B24536-994D-4021-A283-9F449C0DB509}" type="datetimeFigureOut">
               <a:rPr lang="en-US" dirty="0"/>
-              <a:t>4/26/2023</a:t>
+              <a:t>4/27/2023</a:t>
             </a:fld>
             <a:endParaRPr lang="en-US" dirty="0"/>
           </a:p>
@@ -3676,7 +3677,7 @@
           <a:p>
             <a:fld id="{3CBBBB78-C96F-47B7-AB17-D852CA960AC9}" type="datetimeFigureOut">
               <a:rPr lang="en-US" dirty="0"/>
-              <a:t>4/26/2023</a:t>
+              <a:t>4/27/2023</a:t>
             </a:fld>
             <a:endParaRPr lang="en-US" dirty="0"/>
           </a:p>
@@ -3984,7 +3985,7 @@
           <a:p>
             <a:fld id="{1FA3F48C-C7C6-4055-9F49-3777875E72AE}" type="datetimeFigureOut">
               <a:rPr lang="en-US" dirty="0"/>
-              <a:t>4/26/2023</a:t>
+              <a:t>4/27/2023</a:t>
             </a:fld>
             <a:endParaRPr lang="en-US" dirty="0"/>
           </a:p>
@@ -4243,7 +4244,7 @@
           <a:p>
             <a:fld id="{6178E61D-D431-422C-9764-11DAFE33AB63}" type="datetimeFigureOut">
               <a:rPr lang="en-US" dirty="0"/>
-              <a:t>4/26/2023</a:t>
+              <a:t>4/27/2023</a:t>
             </a:fld>
             <a:endParaRPr lang="en-US" dirty="0"/>
           </a:p>
@@ -4562,7 +4563,7 @@
           <a:p>
             <a:fld id="{12DE42F4-6EEF-4EF7-8ED4-2208F0F89A08}" type="datetimeFigureOut">
               <a:rPr lang="en-US" dirty="0"/>
-              <a:t>4/26/2023</a:t>
+              <a:t>4/27/2023</a:t>
             </a:fld>
             <a:endParaRPr lang="en-US" dirty="0"/>
           </a:p>
@@ -4946,7 +4947,7 @@
           <a:p>
             <a:fld id="{30578ACC-22D6-47C1-A373-4FD133E34F3C}" type="datetimeFigureOut">
               <a:rPr lang="en-US" dirty="0"/>
-              <a:t>4/26/2023</a:t>
+              <a:t>4/27/2023</a:t>
             </a:fld>
             <a:endParaRPr lang="en-US" dirty="0"/>
           </a:p>
@@ -5317,7 +5318,7 @@
           <a:p>
             <a:fld id="{4E5A6C69-6797-4E8A-BF37-F2C3751466E9}" type="datetimeFigureOut">
               <a:rPr lang="en-US" dirty="0"/>
-              <a:t>4/26/2023</a:t>
+              <a:t>4/27/2023</a:t>
             </a:fld>
             <a:endParaRPr lang="en-US" dirty="0"/>
           </a:p>
@@ -5818,7 +5819,7 @@
           <a:p>
             <a:fld id="{D82014A1-A632-4878-A0D3-F52BA7563730}" type="datetimeFigureOut">
               <a:rPr lang="en-US" dirty="0"/>
-              <a:t>4/26/2023</a:t>
+              <a:t>4/27/2023</a:t>
             </a:fld>
             <a:endParaRPr lang="en-US" dirty="0"/>
           </a:p>
@@ -6070,7 +6071,7 @@
           <a:p>
             <a:fld id="{CE99F462-093F-4566-844B-4C71F2739DA5}" type="datetimeFigureOut">
               <a:rPr lang="en-US" dirty="0"/>
-              <a:t>4/26/2023</a:t>
+              <a:t>4/27/2023</a:t>
             </a:fld>
             <a:endParaRPr lang="en-US" dirty="0"/>
           </a:p>
@@ -6228,7 +6229,7 @@
           <a:p>
             <a:fld id="{3D24A7AC-904D-4781-85BA-7D10C17ED021}" type="datetimeFigureOut">
               <a:rPr lang="en-US" dirty="0"/>
-              <a:t>4/26/2023</a:t>
+              <a:t>4/27/2023</a:t>
             </a:fld>
             <a:endParaRPr lang="en-US" dirty="0"/>
           </a:p>
@@ -6613,7 +6614,7 @@
           <a:p>
             <a:fld id="{E331444B-B92B-4E27-8C94-BB93EAF5CB18}" type="datetimeFigureOut">
               <a:rPr lang="en-US" dirty="0"/>
-              <a:t>4/26/2023</a:t>
+              <a:t>4/27/2023</a:t>
             </a:fld>
             <a:endParaRPr lang="en-US" dirty="0"/>
           </a:p>
@@ -7017,7 +7018,7 @@
           <a:p>
             <a:fld id="{363EFA5E-FA76-400D-B3DC-F0BA90E6D107}" type="datetimeFigureOut">
               <a:rPr lang="en-US" dirty="0"/>
-              <a:t>4/26/2023</a:t>
+              <a:t>4/27/2023</a:t>
             </a:fld>
             <a:endParaRPr lang="en-US" dirty="0"/>
           </a:p>
@@ -7256,7 +7257,7 @@
           <a:p>
             <a:fld id="{9D6E9DEC-419B-4CC5-A080-3B06BD5A8291}" type="datetimeFigureOut">
               <a:rPr lang="en-US" dirty="0"/>
-              <a:t>4/26/2023</a:t>
+              <a:t>4/27/2023</a:t>
             </a:fld>
             <a:endParaRPr lang="en-US" dirty="0"/>
           </a:p>
@@ -7686,14 +7687,37 @@
           <a:lstStyle/>
           <a:p>
             <a:r>
-              <a:rPr lang="ru-RU" dirty="0"/>
-              <a:t>Лютейший проект по </a:t>
-            </a:r>
-            <a:r>
-              <a:rPr lang="en-US" dirty="0" err="1"/>
+              <a:rPr lang="ru-RU" sz="4400" dirty="0">
+                <a:latin typeface="Times New Roman" panose="02020603050405020304" pitchFamily="18" charset="0"/>
+                <a:cs typeface="Times New Roman" panose="02020603050405020304" pitchFamily="18" charset="0"/>
+              </a:rPr>
+              <a:t>Лютейший</a:t>
+            </a:r>
+            <a:r>
+              <a:rPr lang="ru-RU" dirty="0">
+                <a:latin typeface="Times New Roman" panose="02020603050405020304" pitchFamily="18" charset="0"/>
+                <a:cs typeface="Times New Roman" panose="02020603050405020304" pitchFamily="18" charset="0"/>
+              </a:rPr>
+              <a:t> </a:t>
+            </a:r>
+            <a:r>
+              <a:rPr lang="ru-RU" sz="4400" dirty="0">
+                <a:latin typeface="Times New Roman" panose="02020603050405020304" pitchFamily="18" charset="0"/>
+                <a:cs typeface="Times New Roman" panose="02020603050405020304" pitchFamily="18" charset="0"/>
+              </a:rPr>
+              <a:t>проект по </a:t>
+            </a:r>
+            <a:r>
+              <a:rPr lang="en-US" sz="4400" dirty="0" err="1">
+                <a:latin typeface="Times New Roman" panose="02020603050405020304" pitchFamily="18" charset="0"/>
+                <a:cs typeface="Times New Roman" panose="02020603050405020304" pitchFamily="18" charset="0"/>
+              </a:rPr>
               <a:t>Valorant</a:t>
             </a:r>
-            <a:endParaRPr lang="ru-RU" dirty="0"/>
+            <a:endParaRPr lang="ru-RU" sz="4400" dirty="0">
+              <a:latin typeface="Times New Roman" panose="02020603050405020304" pitchFamily="18" charset="0"/>
+              <a:cs typeface="Times New Roman" panose="02020603050405020304" pitchFamily="18" charset="0"/>
+            </a:endParaRPr>
           </a:p>
         </p:txBody>
       </p:sp>
@@ -7719,15 +7743,24 @@
           <a:lstStyle/>
           <a:p>
             <a:r>
-              <a:rPr lang="ru-RU" dirty="0"/>
+              <a:rPr lang="ru-RU" sz="2400" dirty="0">
+                <a:latin typeface="Times New Roman" panose="02020603050405020304" pitchFamily="18" charset="0"/>
+                <a:cs typeface="Times New Roman" panose="02020603050405020304" pitchFamily="18" charset="0"/>
+              </a:rPr>
               <a:t>Проект создан двумя богами олимпа</a:t>
             </a:r>
             <a:r>
-              <a:rPr lang="en-US" dirty="0"/>
+              <a:rPr lang="en-US" sz="2400" dirty="0">
+                <a:latin typeface="Times New Roman" panose="02020603050405020304" pitchFamily="18" charset="0"/>
+                <a:cs typeface="Times New Roman" panose="02020603050405020304" pitchFamily="18" charset="0"/>
+              </a:rPr>
               <a:t>:</a:t>
             </a:r>
             <a:r>
-              <a:rPr lang="ru-RU" dirty="0"/>
+              <a:rPr lang="ru-RU" sz="2400" dirty="0">
+                <a:latin typeface="Times New Roman" panose="02020603050405020304" pitchFamily="18" charset="0"/>
+                <a:cs typeface="Times New Roman" panose="02020603050405020304" pitchFamily="18" charset="0"/>
+              </a:rPr>
               <a:t> Довганем Платоном Александровичем и Дмитрием Басалаевым</a:t>
             </a:r>
           </a:p>
@@ -7746,13 +7779,13 @@
   <p:clrMapOvr>
     <a:masterClrMapping/>
   </p:clrMapOvr>
-  <mc:AlternateContent xmlns:mc="http://schemas.openxmlformats.org/markup-compatibility/2006">
-    <mc:Choice xmlns:p15="http://schemas.microsoft.com/office/powerpoint/2012/main" Requires="p15">
+  <mc:AlternateContent xmlns:mc="http://schemas.openxmlformats.org/markup-compatibility/2006" xmlns:p15="http://schemas.microsoft.com/office/powerpoint/2012/main">
+    <mc:Choice Requires="p15">
       <p:transition xmlns:p14="http://schemas.microsoft.com/office/powerpoint/2010/main" spd="slow" p14:dur="2000">
         <p15:prstTrans prst="fallOver"/>
       </p:transition>
     </mc:Choice>
-    <mc:Fallback>
+    <mc:Fallback xmlns="">
       <p:transition spd="slow">
         <p:fade/>
       </p:transition>
@@ -7796,14 +7829,22 @@
         </p:nvSpPr>
         <p:spPr/>
         <p:txBody>
-          <a:bodyPr/>
+          <a:bodyPr>
+            <a:normAutofit/>
+          </a:bodyPr>
           <a:lstStyle/>
           <a:p>
             <a:r>
-              <a:rPr lang="en-US" dirty="0" err="1"/>
+              <a:rPr lang="en-US" sz="4400" dirty="0" err="1">
+                <a:latin typeface="Times New Roman" panose="02020603050405020304" pitchFamily="18" charset="0"/>
+                <a:cs typeface="Times New Roman" panose="02020603050405020304" pitchFamily="18" charset="0"/>
+              </a:rPr>
               <a:t>Valorant</a:t>
             </a:r>
-            <a:endParaRPr lang="ru-RU" dirty="0"/>
+            <a:endParaRPr lang="ru-RU" sz="4400" dirty="0">
+              <a:latin typeface="Times New Roman" panose="02020603050405020304" pitchFamily="18" charset="0"/>
+              <a:cs typeface="Times New Roman" panose="02020603050405020304" pitchFamily="18" charset="0"/>
+            </a:endParaRPr>
           </a:p>
         </p:txBody>
       </p:sp>
@@ -7829,20 +7870,32 @@
           <a:lstStyle/>
           <a:p>
             <a:r>
-              <a:rPr lang="ru-RU" dirty="0" err="1"/>
+              <a:rPr lang="ru-RU" dirty="0" err="1">
+                <a:latin typeface="Times New Roman" panose="02020603050405020304" pitchFamily="18" charset="0"/>
+                <a:cs typeface="Times New Roman" panose="02020603050405020304" pitchFamily="18" charset="0"/>
+              </a:rPr>
               <a:t>Riot</a:t>
             </a:r>
             <a:r>
-              <a:rPr lang="ru-RU" dirty="0"/>
+              <a:rPr lang="ru-RU" dirty="0">
+                <a:latin typeface="Times New Roman" panose="02020603050405020304" pitchFamily="18" charset="0"/>
+                <a:cs typeface="Times New Roman" panose="02020603050405020304" pitchFamily="18" charset="0"/>
+              </a:rPr>
               <a:t> </a:t>
             </a:r>
             <a:r>
-              <a:rPr lang="ru-RU" dirty="0" err="1"/>
+              <a:rPr lang="ru-RU" dirty="0" err="1">
+                <a:latin typeface="Times New Roman" panose="02020603050405020304" pitchFamily="18" charset="0"/>
+                <a:cs typeface="Times New Roman" panose="02020603050405020304" pitchFamily="18" charset="0"/>
+              </a:rPr>
               <a:t>Games</a:t>
             </a:r>
             <a:r>
-              <a:rPr lang="ru-RU" dirty="0"/>
-              <a:t> представляет VALORANT – тактический шутер от первого лица с матчами 5 на 5, в которых точная стрельба сочетается с уникальными умениями агентов. Узнайте больше о проекте VALORANT и его потрясающих героях!</a:t>
+              <a:rPr lang="ru-RU" dirty="0">
+                <a:latin typeface="Times New Roman" panose="02020603050405020304" pitchFamily="18" charset="0"/>
+                <a:cs typeface="Times New Roman" panose="02020603050405020304" pitchFamily="18" charset="0"/>
+              </a:rPr>
+              <a:t> представляет VALORANT – тактический шутер от первого лица с матчами 5 на 5, в которых точная стрельба сочетается с уникальными умениями агентов.</a:t>
             </a:r>
           </a:p>
         </p:txBody>
@@ -7904,13 +7957,13 @@
   <p:clrMapOvr>
     <a:masterClrMapping/>
   </p:clrMapOvr>
-  <mc:AlternateContent xmlns:mc="http://schemas.openxmlformats.org/markup-compatibility/2006">
-    <mc:Choice xmlns:p15="http://schemas.microsoft.com/office/powerpoint/2012/main" Requires="p15">
+  <mc:AlternateContent xmlns:mc="http://schemas.openxmlformats.org/markup-compatibility/2006" xmlns:p15="http://schemas.microsoft.com/office/powerpoint/2012/main">
+    <mc:Choice Requires="p15">
       <p:transition xmlns:p14="http://schemas.microsoft.com/office/powerpoint/2010/main" spd="slow" p14:dur="6000">
         <p15:prstTrans prst="curtains"/>
       </p:transition>
     </mc:Choice>
-    <mc:Fallback>
+    <mc:Fallback xmlns="">
       <p:transition spd="slow">
         <p:fade/>
       </p:transition>
@@ -7954,11 +8007,16 @@
         </p:nvSpPr>
         <p:spPr/>
         <p:txBody>
-          <a:bodyPr/>
+          <a:bodyPr>
+            <a:normAutofit/>
+          </a:bodyPr>
           <a:lstStyle/>
           <a:p>
             <a:r>
-              <a:rPr lang="ru-RU" dirty="0"/>
+              <a:rPr lang="ru-RU" sz="4400" dirty="0">
+                <a:latin typeface="Times New Roman" panose="02020603050405020304" pitchFamily="18" charset="0"/>
+                <a:cs typeface="Times New Roman" panose="02020603050405020304" pitchFamily="18" charset="0"/>
+              </a:rPr>
               <a:t>Какие библиотеки использовались</a:t>
             </a:r>
           </a:p>
@@ -8021,6 +8079,36 @@
           </a:p>
         </p:txBody>
       </p:sp>
+      <p:pic>
+        <p:nvPicPr>
+          <p:cNvPr id="3" name="Рисунок 2">
+            <a:extLst>
+              <a:ext uri="{FF2B5EF4-FFF2-40B4-BE49-F238E27FC236}">
+                <a16:creationId xmlns:a16="http://schemas.microsoft.com/office/drawing/2014/main" id="{6D4C11ED-FA47-4DA5-BDAC-D39EC15FCBF2}"/>
+              </a:ext>
+            </a:extLst>
+          </p:cNvPr>
+          <p:cNvPicPr>
+            <a:picLocks noChangeAspect="1"/>
+          </p:cNvPicPr>
+          <p:nvPr/>
+        </p:nvPicPr>
+        <p:blipFill>
+          <a:blip r:embed="rId3"/>
+          <a:stretch>
+            <a:fillRect/>
+          </a:stretch>
+        </p:blipFill>
+        <p:spPr>
+          <a:xfrm>
+            <a:off x="229345" y="2384865"/>
+            <a:ext cx="8764402" cy="2088269"/>
+          </a:xfrm>
+          <a:prstGeom prst="rect">
+            <a:avLst/>
+          </a:prstGeom>
+        </p:spPr>
+      </p:pic>
     </p:spTree>
     <p:extLst>
       <p:ext uri="{BB962C8B-B14F-4D97-AF65-F5344CB8AC3E}">
@@ -8031,13 +8119,13 @@
   <p:clrMapOvr>
     <a:masterClrMapping/>
   </p:clrMapOvr>
-  <mc:AlternateContent xmlns:mc="http://schemas.openxmlformats.org/markup-compatibility/2006">
-    <mc:Choice xmlns:p15="http://schemas.microsoft.com/office/powerpoint/2012/main" Requires="p15">
+  <mc:AlternateContent xmlns:mc="http://schemas.openxmlformats.org/markup-compatibility/2006" xmlns:p15="http://schemas.microsoft.com/office/powerpoint/2012/main">
+    <mc:Choice Requires="p15">
       <p:transition xmlns:p14="http://schemas.microsoft.com/office/powerpoint/2010/main" spd="slow" p14:dur="1250">
         <p15:prstTrans prst="airplane"/>
       </p:transition>
     </mc:Choice>
-    <mc:Fallback>
+    <mc:Fallback xmlns="">
       <p:transition spd="slow">
         <p:fade/>
       </p:transition>
@@ -8092,7 +8180,10 @@
           <a:lstStyle/>
           <a:p>
             <a:r>
-              <a:rPr lang="ru-RU" sz="4400" dirty="0"/>
+              <a:rPr lang="ru-RU" sz="4400" dirty="0">
+                <a:latin typeface="Times New Roman" panose="02020603050405020304" pitchFamily="18" charset="0"/>
+                <a:cs typeface="Times New Roman" panose="02020603050405020304" pitchFamily="18" charset="0"/>
+              </a:rPr>
               <a:t>ДМИТРИЙ БАСАЛАЕВ ПОКАЗЫВАЕТ КОД</a:t>
             </a:r>
           </a:p>
@@ -8155,18 +8246,155 @@
   <p:clrMapOvr>
     <a:masterClrMapping/>
   </p:clrMapOvr>
-  <mc:AlternateContent xmlns:mc="http://schemas.openxmlformats.org/markup-compatibility/2006">
-    <mc:Choice xmlns:p14="http://schemas.microsoft.com/office/powerpoint/2010/main" Requires="p14">
+  <mc:AlternateContent xmlns:mc="http://schemas.openxmlformats.org/markup-compatibility/2006" xmlns:p14="http://schemas.microsoft.com/office/powerpoint/2010/main">
+    <mc:Choice Requires="p14">
       <p:transition spd="slow" p14:dur="1600">
         <p14:conveyor dir="l"/>
       </p:transition>
     </mc:Choice>
-    <mc:Fallback>
+    <mc:Fallback xmlns="">
       <p:transition spd="slow">
         <p:fade/>
       </p:transition>
     </mc:Fallback>
   </mc:AlternateContent>
+</p:sld>
+</file>
+
+<file path=ppt/slides/slide5.xml><?xml version="1.0" encoding="utf-8"?>
+<p:sld xmlns:a="http://schemas.openxmlformats.org/drawingml/2006/main" xmlns:r="http://schemas.openxmlformats.org/officeDocument/2006/relationships" xmlns:p="http://schemas.openxmlformats.org/presentationml/2006/main">
+  <p:cSld>
+    <p:spTree>
+      <p:nvGrpSpPr>
+        <p:cNvPr id="1" name=""/>
+        <p:cNvGrpSpPr/>
+        <p:nvPr/>
+      </p:nvGrpSpPr>
+      <p:grpSpPr>
+        <a:xfrm>
+          <a:off x="0" y="0"/>
+          <a:ext cx="0" cy="0"/>
+          <a:chOff x="0" y="0"/>
+          <a:chExt cx="0" cy="0"/>
+        </a:xfrm>
+      </p:grpSpPr>
+      <p:sp>
+        <p:nvSpPr>
+          <p:cNvPr id="2" name="Заголовок 1">
+            <a:extLst>
+              <a:ext uri="{FF2B5EF4-FFF2-40B4-BE49-F238E27FC236}">
+                <a16:creationId xmlns:a16="http://schemas.microsoft.com/office/drawing/2014/main" id="{81D6C5E9-5126-447B-ABE9-E06832EDDCD8}"/>
+              </a:ext>
+            </a:extLst>
+          </p:cNvPr>
+          <p:cNvSpPr>
+            <a:spLocks noGrp="1"/>
+          </p:cNvSpPr>
+          <p:nvPr>
+            <p:ph type="title"/>
+          </p:nvPr>
+        </p:nvSpPr>
+        <p:spPr/>
+        <p:txBody>
+          <a:bodyPr>
+            <a:normAutofit/>
+          </a:bodyPr>
+          <a:lstStyle/>
+          <a:p>
+            <a:r>
+              <a:rPr lang="ru-RU" sz="4400" dirty="0">
+                <a:latin typeface="Times New Roman" panose="02020603050405020304" pitchFamily="18" charset="0"/>
+                <a:cs typeface="Times New Roman" panose="02020603050405020304" pitchFamily="18" charset="0"/>
+              </a:rPr>
+              <a:t>Что можно было бы добавить</a:t>
+            </a:r>
+          </a:p>
+        </p:txBody>
+      </p:sp>
+      <p:sp>
+        <p:nvSpPr>
+          <p:cNvPr id="3" name="Объект 2">
+            <a:extLst>
+              <a:ext uri="{FF2B5EF4-FFF2-40B4-BE49-F238E27FC236}">
+                <a16:creationId xmlns:a16="http://schemas.microsoft.com/office/drawing/2014/main" id="{01592B0B-B754-4EEC-98CA-93DC0EA70020}"/>
+              </a:ext>
+            </a:extLst>
+          </p:cNvPr>
+          <p:cNvSpPr>
+            <a:spLocks noGrp="1"/>
+          </p:cNvSpPr>
+          <p:nvPr>
+            <p:ph idx="1"/>
+          </p:nvPr>
+        </p:nvSpPr>
+        <p:spPr/>
+        <p:txBody>
+          <a:bodyPr/>
+          <a:lstStyle/>
+          <a:p>
+            <a:r>
+              <a:rPr lang="ru-RU" dirty="0">
+                <a:latin typeface="Times New Roman" panose="02020603050405020304" pitchFamily="18" charset="0"/>
+                <a:cs typeface="Times New Roman" panose="02020603050405020304" pitchFamily="18" charset="0"/>
+              </a:rPr>
+              <a:t>Список коллекций и фотографии этих коллекций</a:t>
+            </a:r>
+          </a:p>
+          <a:p>
+            <a:r>
+              <a:rPr lang="ru-RU" dirty="0">
+                <a:latin typeface="Times New Roman" panose="02020603050405020304" pitchFamily="18" charset="0"/>
+                <a:cs typeface="Times New Roman" panose="02020603050405020304" pitchFamily="18" charset="0"/>
+              </a:rPr>
+              <a:t>Список способностей персонажей</a:t>
+            </a:r>
+          </a:p>
+          <a:p>
+            <a:r>
+              <a:rPr lang="en-US" dirty="0" err="1">
+                <a:latin typeface="Times New Roman" panose="02020603050405020304" pitchFamily="18" charset="0"/>
+                <a:cs typeface="Times New Roman" panose="02020603050405020304" pitchFamily="18" charset="0"/>
+              </a:rPr>
+              <a:t>Winrate</a:t>
+            </a:r>
+            <a:r>
+              <a:rPr lang="ru-RU" dirty="0">
+                <a:latin typeface="Times New Roman" panose="02020603050405020304" pitchFamily="18" charset="0"/>
+                <a:cs typeface="Times New Roman" panose="02020603050405020304" pitchFamily="18" charset="0"/>
+              </a:rPr>
+              <a:t> персонажей</a:t>
+            </a:r>
+          </a:p>
+          <a:p>
+            <a:r>
+              <a:rPr lang="ru-RU" dirty="0">
+                <a:latin typeface="Times New Roman" panose="02020603050405020304" pitchFamily="18" charset="0"/>
+                <a:cs typeface="Times New Roman" panose="02020603050405020304" pitchFamily="18" charset="0"/>
+              </a:rPr>
+              <a:t>Регистрация</a:t>
+            </a:r>
+          </a:p>
+          <a:p>
+            <a:r>
+              <a:rPr lang="ru-RU" dirty="0">
+                <a:latin typeface="Times New Roman" panose="02020603050405020304" pitchFamily="18" charset="0"/>
+                <a:cs typeface="Times New Roman" panose="02020603050405020304" pitchFamily="18" charset="0"/>
+              </a:rPr>
+              <a:t>Осмотр ежедневного магазина за вас</a:t>
+            </a:r>
+          </a:p>
+        </p:txBody>
+      </p:sp>
+    </p:spTree>
+    <p:extLst>
+      <p:ext uri="{BB962C8B-B14F-4D97-AF65-F5344CB8AC3E}">
+        <p14:creationId xmlns:p14="http://schemas.microsoft.com/office/powerpoint/2010/main" val="2078889120"/>
+      </p:ext>
+    </p:extLst>
+  </p:cSld>
+  <p:clrMapOvr>
+    <a:masterClrMapping/>
+  </p:clrMapOvr>
 </p:sld>
 </file>
 
